--- a/presentacion.pptx
+++ b/presentacion.pptx
@@ -5,7 +5,7 @@
     <p:sldMasterId id="2147483660" r:id="rId1"/>
   </p:sldMasterIdLst>
   <p:notesMasterIdLst>
-    <p:notesMasterId r:id="rId10"/>
+    <p:notesMasterId r:id="rId11"/>
   </p:notesMasterIdLst>
   <p:sldIdLst>
     <p:sldId id="256" r:id="rId2"/>
@@ -16,23 +16,24 @@
     <p:sldId id="284" r:id="rId7"/>
     <p:sldId id="287" r:id="rId8"/>
     <p:sldId id="286" r:id="rId9"/>
+    <p:sldId id="288" r:id="rId10"/>
   </p:sldIdLst>
   <p:sldSz cx="9144000" cy="5143500" type="screen16x9"/>
   <p:notesSz cx="6858000" cy="9144000"/>
   <p:embeddedFontLst>
     <p:embeddedFont>
       <p:font typeface="Fira Sans Extra Condensed Medium" panose="020B0604020202020204" charset="0"/>
-      <p:regular r:id="rId11"/>
-      <p:bold r:id="rId12"/>
-      <p:italic r:id="rId13"/>
-      <p:boldItalic r:id="rId14"/>
+      <p:regular r:id="rId12"/>
+      <p:bold r:id="rId13"/>
+      <p:italic r:id="rId14"/>
+      <p:boldItalic r:id="rId15"/>
     </p:embeddedFont>
     <p:embeddedFont>
       <p:font typeface="Roboto" panose="02000000000000000000" pitchFamily="2" charset="0"/>
-      <p:regular r:id="rId15"/>
-      <p:bold r:id="rId16"/>
-      <p:italic r:id="rId17"/>
-      <p:boldItalic r:id="rId18"/>
+      <p:regular r:id="rId16"/>
+      <p:bold r:id="rId17"/>
+      <p:italic r:id="rId18"/>
+      <p:boldItalic r:id="rId19"/>
     </p:embeddedFont>
   </p:embeddedFontLst>
   <p:defaultTextStyle>
@@ -270,6 +271,12 @@
     </p:ext>
   </p:extLst>
 </p:presentation>
+</file>
+
+<file path=ppt/authors.xml><?xml version="1.0" encoding="utf-8"?>
+<p188:authorLst xmlns:a="http://schemas.openxmlformats.org/drawingml/2006/main" xmlns:r="http://schemas.openxmlformats.org/officeDocument/2006/relationships" xmlns:p188="http://schemas.microsoft.com/office/powerpoint/2018/8/main">
+  <p188:author id="{C0F49D4C-8325-94F0-50E9-36FBDABAF16D}" name="Aitor Perez" initials="AP" userId="7867648b90f38332" providerId="Windows Live"/>
+</p188:authorLst>
 </file>
 
 <file path=ppt/notesMasters/notesMaster1.xml><?xml version="1.0" encoding="utf-8"?>
@@ -796,16 +803,10 @@
           </a:bodyPr>
           <a:lstStyle/>
           <a:p>
-            <a:pPr marL="0" lvl="0" indent="0" algn="l" rtl="0">
-              <a:spcBef>
-                <a:spcPts val="0"/>
-              </a:spcBef>
-              <a:spcAft>
-                <a:spcPts val="0"/>
-              </a:spcAft>
+            <a:pPr marL="158750" indent="0">
               <a:buNone/>
             </a:pPr>
-            <a:endParaRPr/>
+            <a:endParaRPr lang="es-ES" dirty="0"/>
           </a:p>
         </p:txBody>
       </p:sp>
@@ -900,16 +901,10 @@
           </a:bodyPr>
           <a:lstStyle/>
           <a:p>
-            <a:pPr marL="0" lvl="0" indent="0" algn="l" rtl="0">
-              <a:spcBef>
-                <a:spcPts val="0"/>
-              </a:spcBef>
-              <a:spcAft>
-                <a:spcPts val="0"/>
-              </a:spcAft>
+            <a:pPr marL="158750" indent="0">
               <a:buNone/>
             </a:pPr>
-            <a:endParaRPr/>
+            <a:endParaRPr lang="es-ES" dirty="0"/>
           </a:p>
         </p:txBody>
       </p:sp>
@@ -1004,16 +999,10 @@
           </a:bodyPr>
           <a:lstStyle/>
           <a:p>
-            <a:pPr marL="0" lvl="0" indent="0" algn="l" rtl="0">
-              <a:spcBef>
-                <a:spcPts val="0"/>
-              </a:spcBef>
-              <a:spcAft>
-                <a:spcPts val="0"/>
-              </a:spcAft>
+            <a:pPr marL="158750" indent="0">
               <a:buNone/>
             </a:pPr>
-            <a:endParaRPr/>
+            <a:endParaRPr lang="es-ES" dirty="0"/>
           </a:p>
         </p:txBody>
       </p:sp>
@@ -1117,7 +1106,7 @@
               </a:spcAft>
               <a:buNone/>
             </a:pPr>
-            <a:endParaRPr/>
+            <a:endParaRPr dirty="0"/>
           </a:p>
         </p:txBody>
       </p:sp>
@@ -1212,16 +1201,10 @@
           </a:bodyPr>
           <a:lstStyle/>
           <a:p>
-            <a:pPr marL="0" lvl="0" indent="0" algn="l" rtl="0">
-              <a:spcBef>
-                <a:spcPts val="0"/>
-              </a:spcBef>
-              <a:spcAft>
-                <a:spcPts val="0"/>
-              </a:spcAft>
+            <a:pPr marL="158750" indent="0">
               <a:buNone/>
             </a:pPr>
-            <a:endParaRPr/>
+            <a:endParaRPr lang="es-ES" dirty="0"/>
           </a:p>
         </p:txBody>
       </p:sp>
@@ -1334,16 +1317,10 @@
           </a:bodyPr>
           <a:lstStyle/>
           <a:p>
-            <a:pPr marL="0" lvl="0" indent="0" algn="l" rtl="0">
-              <a:spcBef>
-                <a:spcPts val="0"/>
-              </a:spcBef>
-              <a:spcAft>
-                <a:spcPts val="0"/>
-              </a:spcAft>
+            <a:pPr marL="158750" indent="0">
               <a:buNone/>
             </a:pPr>
-            <a:endParaRPr/>
+            <a:endParaRPr lang="es-ES" dirty="0"/>
           </a:p>
         </p:txBody>
       </p:sp>
@@ -1461,16 +1438,10 @@
           </a:bodyPr>
           <a:lstStyle/>
           <a:p>
-            <a:pPr marL="0" lvl="0" indent="0" algn="l" rtl="0">
-              <a:spcBef>
-                <a:spcPts val="0"/>
-              </a:spcBef>
-              <a:spcAft>
-                <a:spcPts val="0"/>
-              </a:spcAft>
+            <a:pPr marL="158750" indent="0">
               <a:buNone/>
             </a:pPr>
-            <a:endParaRPr/>
+            <a:endParaRPr dirty="0"/>
           </a:p>
         </p:txBody>
       </p:sp>
@@ -1588,6 +1559,127 @@
           </a:bodyPr>
           <a:lstStyle/>
           <a:p>
+            <a:pPr marL="158750" indent="0">
+              <a:buNone/>
+            </a:pPr>
+            <a:endParaRPr lang="es-ES" dirty="0"/>
+          </a:p>
+        </p:txBody>
+      </p:sp>
+    </p:spTree>
+    <p:extLst>
+      <p:ext uri="{BB962C8B-B14F-4D97-AF65-F5344CB8AC3E}">
+        <p14:creationId xmlns:p14="http://schemas.microsoft.com/office/powerpoint/2010/main" val="1993260274"/>
+      </p:ext>
+    </p:extLst>
+  </p:cSld>
+  <p:clrMapOvr>
+    <a:masterClrMapping/>
+  </p:clrMapOvr>
+</p:notes>
+</file>
+
+<file path=ppt/notesSlides/notesSlide9.xml><?xml version="1.0" encoding="utf-8"?>
+<p:notes xmlns:a="http://schemas.openxmlformats.org/drawingml/2006/main" xmlns:r="http://schemas.openxmlformats.org/officeDocument/2006/relationships" xmlns:p="http://schemas.openxmlformats.org/presentationml/2006/main" showMasterSp="0" showMasterPhAnim="0">
+  <p:cSld>
+    <p:spTree>
+      <p:nvGrpSpPr>
+        <p:cNvPr id="1" name="Shape 122">
+          <a:extLst>
+            <a:ext uri="{FF2B5EF4-FFF2-40B4-BE49-F238E27FC236}">
+              <a16:creationId xmlns:a16="http://schemas.microsoft.com/office/drawing/2014/main" id="{5B9FD593-B69B-9DEA-4DAB-85FE25933573}"/>
+            </a:ext>
+          </a:extLst>
+        </p:cNvPr>
+        <p:cNvGrpSpPr/>
+        <p:nvPr/>
+      </p:nvGrpSpPr>
+      <p:grpSpPr>
+        <a:xfrm>
+          <a:off x="0" y="0"/>
+          <a:ext cx="0" cy="0"/>
+          <a:chOff x="0" y="0"/>
+          <a:chExt cx="0" cy="0"/>
+        </a:xfrm>
+      </p:grpSpPr>
+      <p:sp>
+        <p:nvSpPr>
+          <p:cNvPr id="123" name="Google Shape;123;g8a22a4a535_2_878:notes">
+            <a:extLst>
+              <a:ext uri="{FF2B5EF4-FFF2-40B4-BE49-F238E27FC236}">
+                <a16:creationId xmlns:a16="http://schemas.microsoft.com/office/drawing/2014/main" id="{CA7665DE-B5CD-E241-B7D9-18F6B0057179}"/>
+              </a:ext>
+            </a:extLst>
+          </p:cNvPr>
+          <p:cNvSpPr>
+            <a:spLocks noGrp="1" noRot="1" noChangeAspect="1"/>
+          </p:cNvSpPr>
+          <p:nvPr>
+            <p:ph type="sldImg" idx="2"/>
+          </p:nvPr>
+        </p:nvSpPr>
+        <p:spPr>
+          <a:xfrm>
+            <a:off x="381000" y="685800"/>
+            <a:ext cx="6096000" cy="3429000"/>
+          </a:xfrm>
+          <a:custGeom>
+            <a:avLst/>
+            <a:gdLst/>
+            <a:ahLst/>
+            <a:cxnLst/>
+            <a:rect l="l" t="t" r="r" b="b"/>
+            <a:pathLst>
+              <a:path w="120000" h="120000" extrusionOk="0">
+                <a:moveTo>
+                  <a:pt x="0" y="0"/>
+                </a:moveTo>
+                <a:lnTo>
+                  <a:pt x="120000" y="0"/>
+                </a:lnTo>
+                <a:lnTo>
+                  <a:pt x="120000" y="120000"/>
+                </a:lnTo>
+                <a:lnTo>
+                  <a:pt x="0" y="120000"/>
+                </a:lnTo>
+                <a:close/>
+              </a:path>
+            </a:pathLst>
+          </a:custGeom>
+        </p:spPr>
+      </p:sp>
+      <p:sp>
+        <p:nvSpPr>
+          <p:cNvPr id="124" name="Google Shape;124;g8a22a4a535_2_878:notes">
+            <a:extLst>
+              <a:ext uri="{FF2B5EF4-FFF2-40B4-BE49-F238E27FC236}">
+                <a16:creationId xmlns:a16="http://schemas.microsoft.com/office/drawing/2014/main" id="{28564A23-D239-6417-C734-A7A9212AECF0}"/>
+              </a:ext>
+            </a:extLst>
+          </p:cNvPr>
+          <p:cNvSpPr txBox="1">
+            <a:spLocks noGrp="1"/>
+          </p:cNvSpPr>
+          <p:nvPr>
+            <p:ph type="body" idx="1"/>
+          </p:nvPr>
+        </p:nvSpPr>
+        <p:spPr>
+          <a:xfrm>
+            <a:off x="685800" y="4343400"/>
+            <a:ext cx="5486400" cy="4114800"/>
+          </a:xfrm>
+          <a:prstGeom prst="rect">
+            <a:avLst/>
+          </a:prstGeom>
+        </p:spPr>
+        <p:txBody>
+          <a:bodyPr spcFirstLastPara="1" wrap="square" lIns="91425" tIns="91425" rIns="91425" bIns="91425" anchor="t" anchorCtr="0">
+            <a:noAutofit/>
+          </a:bodyPr>
+          <a:lstStyle/>
+          <a:p>
             <a:pPr marL="0" lvl="0" indent="0" algn="l" rtl="0">
               <a:spcBef>
                 <a:spcPts val="0"/>
@@ -1604,7 +1696,7 @@
     </p:spTree>
     <p:extLst>
       <p:ext uri="{BB962C8B-B14F-4D97-AF65-F5344CB8AC3E}">
-        <p14:creationId xmlns:p14="http://schemas.microsoft.com/office/powerpoint/2010/main" val="1993260274"/>
+        <p14:creationId xmlns:p14="http://schemas.microsoft.com/office/powerpoint/2010/main" val="792353875"/>
       </p:ext>
     </p:extLst>
   </p:cSld>
@@ -1921,6 +2013,18 @@
   <p:clrMapOvr>
     <a:masterClrMapping/>
   </p:clrMapOvr>
+  <mc:AlternateContent xmlns:mc="http://schemas.openxmlformats.org/markup-compatibility/2006" xmlns:p14="http://schemas.microsoft.com/office/powerpoint/2010/main">
+    <mc:Choice Requires="p14">
+      <p:transition p14:dur="250">
+        <p:fade/>
+      </p:transition>
+    </mc:Choice>
+    <mc:Fallback xmlns="">
+      <p:transition>
+        <p:fade/>
+      </p:transition>
+    </mc:Fallback>
+  </mc:AlternateContent>
 </p:sldLayout>
 </file>
 
@@ -2289,6 +2393,18 @@
   <p:clrMapOvr>
     <a:masterClrMapping/>
   </p:clrMapOvr>
+  <mc:AlternateContent xmlns:mc="http://schemas.openxmlformats.org/markup-compatibility/2006" xmlns:p14="http://schemas.microsoft.com/office/powerpoint/2010/main">
+    <mc:Choice Requires="p14">
+      <p:transition p14:dur="250">
+        <p:fade/>
+      </p:transition>
+    </mc:Choice>
+    <mc:Fallback xmlns="">
+      <p:transition>
+        <p:fade/>
+      </p:transition>
+    </mc:Fallback>
+  </mc:AlternateContent>
 </p:sldLayout>
 </file>
 
@@ -2397,6 +2513,18 @@
   <p:clrMapOvr>
     <a:masterClrMapping/>
   </p:clrMapOvr>
+  <mc:AlternateContent xmlns:mc="http://schemas.openxmlformats.org/markup-compatibility/2006" xmlns:p14="http://schemas.microsoft.com/office/powerpoint/2010/main">
+    <mc:Choice Requires="p14">
+      <p:transition p14:dur="250">
+        <p:fade/>
+      </p:transition>
+    </mc:Choice>
+    <mc:Fallback xmlns="">
+      <p:transition>
+        <p:fade/>
+      </p:transition>
+    </mc:Fallback>
+  </mc:AlternateContent>
 </p:sldLayout>
 </file>
 
@@ -2634,6 +2762,18 @@
   <p:clrMapOvr>
     <a:masterClrMapping/>
   </p:clrMapOvr>
+  <mc:AlternateContent xmlns:mc="http://schemas.openxmlformats.org/markup-compatibility/2006" xmlns:p14="http://schemas.microsoft.com/office/powerpoint/2010/main">
+    <mc:Choice Requires="p14">
+      <p:transition p14:dur="250">
+        <p:fade/>
+      </p:transition>
+    </mc:Choice>
+    <mc:Fallback xmlns="">
+      <p:transition>
+        <p:fade/>
+      </p:transition>
+    </mc:Fallback>
+  </mc:AlternateContent>
 </p:sldLayout>
 </file>
 
@@ -3000,6 +3140,18 @@
   <p:clrMapOvr>
     <a:masterClrMapping/>
   </p:clrMapOvr>
+  <mc:AlternateContent xmlns:mc="http://schemas.openxmlformats.org/markup-compatibility/2006" xmlns:p14="http://schemas.microsoft.com/office/powerpoint/2010/main">
+    <mc:Choice Requires="p14">
+      <p:transition p14:dur="250">
+        <p:fade/>
+      </p:transition>
+    </mc:Choice>
+    <mc:Fallback xmlns="">
+      <p:transition>
+        <p:fade/>
+      </p:transition>
+    </mc:Fallback>
+  </mc:AlternateContent>
 </p:sldLayout>
 </file>
 
@@ -3495,6 +3647,18 @@
   <p:clrMapOvr>
     <a:masterClrMapping/>
   </p:clrMapOvr>
+  <mc:AlternateContent xmlns:mc="http://schemas.openxmlformats.org/markup-compatibility/2006" xmlns:p14="http://schemas.microsoft.com/office/powerpoint/2010/main">
+    <mc:Choice Requires="p14">
+      <p:transition p14:dur="250">
+        <p:fade/>
+      </p:transition>
+    </mc:Choice>
+    <mc:Fallback xmlns="">
+      <p:transition>
+        <p:fade/>
+      </p:transition>
+    </mc:Fallback>
+  </mc:AlternateContent>
 </p:sldLayout>
 </file>
 
@@ -3649,6 +3813,18 @@
   <p:clrMapOvr>
     <a:masterClrMapping/>
   </p:clrMapOvr>
+  <mc:AlternateContent xmlns:mc="http://schemas.openxmlformats.org/markup-compatibility/2006" xmlns:p14="http://schemas.microsoft.com/office/powerpoint/2010/main">
+    <mc:Choice Requires="p14">
+      <p:transition p14:dur="250">
+        <p:fade/>
+      </p:transition>
+    </mc:Choice>
+    <mc:Fallback xmlns="">
+      <p:transition>
+        <p:fade/>
+      </p:transition>
+    </mc:Fallback>
+  </mc:AlternateContent>
 </p:sldLayout>
 </file>
 
@@ -4015,6 +4191,18 @@
   <p:clrMapOvr>
     <a:masterClrMapping/>
   </p:clrMapOvr>
+  <mc:AlternateContent xmlns:mc="http://schemas.openxmlformats.org/markup-compatibility/2006" xmlns:p14="http://schemas.microsoft.com/office/powerpoint/2010/main">
+    <mc:Choice Requires="p14">
+      <p:transition p14:dur="250">
+        <p:fade/>
+      </p:transition>
+    </mc:Choice>
+    <mc:Fallback xmlns="">
+      <p:transition>
+        <p:fade/>
+      </p:transition>
+    </mc:Fallback>
+  </mc:AlternateContent>
 </p:sldLayout>
 </file>
 
@@ -4252,6 +4440,18 @@
   <p:clrMapOvr>
     <a:masterClrMapping/>
   </p:clrMapOvr>
+  <mc:AlternateContent xmlns:mc="http://schemas.openxmlformats.org/markup-compatibility/2006" xmlns:p14="http://schemas.microsoft.com/office/powerpoint/2010/main">
+    <mc:Choice Requires="p14">
+      <p:transition p14:dur="250">
+        <p:fade/>
+      </p:transition>
+    </mc:Choice>
+    <mc:Fallback xmlns="">
+      <p:transition>
+        <p:fade/>
+      </p:transition>
+    </mc:Fallback>
+  </mc:AlternateContent>
 </p:sldLayout>
 </file>
 
@@ -4814,6 +5014,18 @@
   <p:clrMapOvr>
     <a:masterClrMapping/>
   </p:clrMapOvr>
+  <mc:AlternateContent xmlns:mc="http://schemas.openxmlformats.org/markup-compatibility/2006" xmlns:p14="http://schemas.microsoft.com/office/powerpoint/2010/main">
+    <mc:Choice Requires="p14">
+      <p:transition p14:dur="250">
+        <p:fade/>
+      </p:transition>
+    </mc:Choice>
+    <mc:Fallback xmlns="">
+      <p:transition>
+        <p:fade/>
+      </p:transition>
+    </mc:Fallback>
+  </mc:AlternateContent>
 </p:sldLayout>
 </file>
 
@@ -4966,6 +5178,18 @@
   <p:clrMapOvr>
     <a:masterClrMapping/>
   </p:clrMapOvr>
+  <mc:AlternateContent xmlns:mc="http://schemas.openxmlformats.org/markup-compatibility/2006" xmlns:p14="http://schemas.microsoft.com/office/powerpoint/2010/main">
+    <mc:Choice Requires="p14">
+      <p:transition p14:dur="250">
+        <p:fade/>
+      </p:transition>
+    </mc:Choice>
+    <mc:Fallback xmlns="">
+      <p:transition>
+        <p:fade/>
+      </p:transition>
+    </mc:Fallback>
+  </mc:AlternateContent>
 </p:sldLayout>
 </file>
 
@@ -5411,6 +5635,18 @@
     <p:sldLayoutId id="2147483657" r:id="rId10"/>
     <p:sldLayoutId id="2147483658" r:id="rId11"/>
   </p:sldLayoutIdLst>
+  <mc:AlternateContent xmlns:mc="http://schemas.openxmlformats.org/markup-compatibility/2006" xmlns:p14="http://schemas.microsoft.com/office/powerpoint/2010/main">
+    <mc:Choice Requires="p14">
+      <p:transition p14:dur="250">
+        <p:fade/>
+      </p:transition>
+    </mc:Choice>
+    <mc:Fallback xmlns="">
+      <p:transition>
+        <p:fade/>
+      </p:transition>
+    </mc:Fallback>
+  </mc:AlternateContent>
   <p:hf sldNum="0" hdr="0" ftr="0" dt="0"/>
   <p:txStyles>
     <p:titleStyle>
@@ -7405,6 +7641,18 @@
   <p:clrMapOvr>
     <a:masterClrMapping/>
   </p:clrMapOvr>
+  <mc:AlternateContent xmlns:mc="http://schemas.openxmlformats.org/markup-compatibility/2006" xmlns:p14="http://schemas.microsoft.com/office/powerpoint/2010/main">
+    <mc:Choice Requires="p14">
+      <p:transition p14:dur="250">
+        <p:fade/>
+      </p:transition>
+    </mc:Choice>
+    <mc:Fallback xmlns="">
+      <p:transition>
+        <p:fade/>
+      </p:transition>
+    </mc:Fallback>
+  </mc:AlternateContent>
 </p:sld>
 </file>
 
@@ -8359,6 +8607,18 @@
   <p:clrMapOvr>
     <a:masterClrMapping/>
   </p:clrMapOvr>
+  <mc:AlternateContent xmlns:mc="http://schemas.openxmlformats.org/markup-compatibility/2006" xmlns:p14="http://schemas.microsoft.com/office/powerpoint/2010/main">
+    <mc:Choice Requires="p14">
+      <p:transition p14:dur="250">
+        <p:fade/>
+      </p:transition>
+    </mc:Choice>
+    <mc:Fallback xmlns="">
+      <p:transition>
+        <p:fade/>
+      </p:transition>
+    </mc:Fallback>
+  </mc:AlternateContent>
 </p:sld>
 </file>
 
@@ -9310,6 +9570,18 @@
   <p:clrMapOvr>
     <a:masterClrMapping/>
   </p:clrMapOvr>
+  <mc:AlternateContent xmlns:mc="http://schemas.openxmlformats.org/markup-compatibility/2006" xmlns:p14="http://schemas.microsoft.com/office/powerpoint/2010/main">
+    <mc:Choice Requires="p14">
+      <p:transition p14:dur="250">
+        <p:fade/>
+      </p:transition>
+    </mc:Choice>
+    <mc:Fallback xmlns="">
+      <p:transition>
+        <p:fade/>
+      </p:transition>
+    </mc:Fallback>
+  </mc:AlternateContent>
 </p:sld>
 </file>
 
@@ -9889,6 +10161,18 @@
   <p:clrMapOvr>
     <a:masterClrMapping/>
   </p:clrMapOvr>
+  <mc:AlternateContent xmlns:mc="http://schemas.openxmlformats.org/markup-compatibility/2006" xmlns:p14="http://schemas.microsoft.com/office/powerpoint/2010/main">
+    <mc:Choice Requires="p14">
+      <p:transition p14:dur="250">
+        <p:fade/>
+      </p:transition>
+    </mc:Choice>
+    <mc:Fallback xmlns="">
+      <p:transition>
+        <p:fade/>
+      </p:transition>
+    </mc:Fallback>
+  </mc:AlternateContent>
 </p:sld>
 </file>
 
@@ -10450,6 +10734,18 @@
   <p:clrMapOvr>
     <a:masterClrMapping/>
   </p:clrMapOvr>
+  <mc:AlternateContent xmlns:mc="http://schemas.openxmlformats.org/markup-compatibility/2006" xmlns:p14="http://schemas.microsoft.com/office/powerpoint/2010/main">
+    <mc:Choice Requires="p14">
+      <p:transition p14:dur="250">
+        <p:fade/>
+      </p:transition>
+    </mc:Choice>
+    <mc:Fallback xmlns="">
+      <p:transition>
+        <p:fade/>
+      </p:transition>
+    </mc:Fallback>
+  </mc:AlternateContent>
 </p:sld>
 </file>
 
@@ -11179,6 +11475,18 @@
   <p:clrMapOvr>
     <a:masterClrMapping/>
   </p:clrMapOvr>
+  <mc:AlternateContent xmlns:mc="http://schemas.openxmlformats.org/markup-compatibility/2006" xmlns:p14="http://schemas.microsoft.com/office/powerpoint/2010/main">
+    <mc:Choice Requires="p14">
+      <p:transition p14:dur="250">
+        <p:fade/>
+      </p:transition>
+    </mc:Choice>
+    <mc:Fallback xmlns="">
+      <p:transition>
+        <p:fade/>
+      </p:transition>
+    </mc:Fallback>
+  </mc:AlternateContent>
 </p:sld>
 </file>
 
@@ -12050,6 +12358,18 @@
   <p:clrMapOvr>
     <a:masterClrMapping/>
   </p:clrMapOvr>
+  <mc:AlternateContent xmlns:mc="http://schemas.openxmlformats.org/markup-compatibility/2006" xmlns:p14="http://schemas.microsoft.com/office/powerpoint/2010/main">
+    <mc:Choice Requires="p14">
+      <p:transition p14:dur="250">
+        <p:fade/>
+      </p:transition>
+    </mc:Choice>
+    <mc:Fallback xmlns="">
+      <p:transition>
+        <p:fade/>
+      </p:transition>
+    </mc:Fallback>
+  </mc:AlternateContent>
 </p:sld>
 </file>
 
@@ -13470,6 +13790,379 @@
   <p:clrMapOvr>
     <a:masterClrMapping/>
   </p:clrMapOvr>
+  <mc:AlternateContent xmlns:mc="http://schemas.openxmlformats.org/markup-compatibility/2006" xmlns:p14="http://schemas.microsoft.com/office/powerpoint/2010/main">
+    <mc:Choice Requires="p14">
+      <p:transition p14:dur="250">
+        <p:fade/>
+      </p:transition>
+    </mc:Choice>
+    <mc:Fallback xmlns="">
+      <p:transition>
+        <p:fade/>
+      </p:transition>
+    </mc:Fallback>
+  </mc:AlternateContent>
+</p:sld>
+</file>
+
+<file path=ppt/slides/slide9.xml><?xml version="1.0" encoding="utf-8"?>
+<p:sld xmlns:a="http://schemas.openxmlformats.org/drawingml/2006/main" xmlns:r="http://schemas.openxmlformats.org/officeDocument/2006/relationships" xmlns:p="http://schemas.openxmlformats.org/presentationml/2006/main">
+  <p:cSld>
+    <p:spTree>
+      <p:nvGrpSpPr>
+        <p:cNvPr id="1" name="Shape 125">
+          <a:extLst>
+            <a:ext uri="{FF2B5EF4-FFF2-40B4-BE49-F238E27FC236}">
+              <a16:creationId xmlns:a16="http://schemas.microsoft.com/office/drawing/2014/main" id="{2B696A9D-8D8F-D8B7-9A94-C9B02F0CCE67}"/>
+            </a:ext>
+          </a:extLst>
+        </p:cNvPr>
+        <p:cNvGrpSpPr/>
+        <p:nvPr/>
+      </p:nvGrpSpPr>
+      <p:grpSpPr>
+        <a:xfrm>
+          <a:off x="0" y="0"/>
+          <a:ext cx="0" cy="0"/>
+          <a:chOff x="0" y="0"/>
+          <a:chExt cx="0" cy="0"/>
+        </a:xfrm>
+      </p:grpSpPr>
+      <p:sp>
+        <p:nvSpPr>
+          <p:cNvPr id="147" name="Google Shape;147;p17">
+            <a:extLst>
+              <a:ext uri="{FF2B5EF4-FFF2-40B4-BE49-F238E27FC236}">
+                <a16:creationId xmlns:a16="http://schemas.microsoft.com/office/drawing/2014/main" id="{C2604283-8F2F-2B09-2B26-F1C9271F3A41}"/>
+              </a:ext>
+            </a:extLst>
+          </p:cNvPr>
+          <p:cNvSpPr txBox="1">
+            <a:spLocks noGrp="1"/>
+          </p:cNvSpPr>
+          <p:nvPr>
+            <p:ph type="title"/>
+          </p:nvPr>
+        </p:nvSpPr>
+        <p:spPr>
+          <a:xfrm>
+            <a:off x="483675" y="415425"/>
+            <a:ext cx="8203200" cy="481200"/>
+          </a:xfrm>
+          <a:prstGeom prst="rect">
+            <a:avLst/>
+          </a:prstGeom>
+        </p:spPr>
+        <p:txBody>
+          <a:bodyPr spcFirstLastPara="1" wrap="square" lIns="91425" tIns="91425" rIns="91425" bIns="91425" anchor="ctr" anchorCtr="0">
+            <a:noAutofit/>
+          </a:bodyPr>
+          <a:lstStyle/>
+          <a:p>
+            <a:pPr marL="0" lvl="0" indent="0" algn="ctr" rtl="0">
+              <a:spcBef>
+                <a:spcPts val="0"/>
+              </a:spcBef>
+              <a:spcAft>
+                <a:spcPts val="0"/>
+              </a:spcAft>
+              <a:buNone/>
+            </a:pPr>
+            <a:r>
+              <a:rPr lang="es-ES" dirty="0">
+                <a:solidFill>
+                  <a:schemeClr val="dk1"/>
+                </a:solidFill>
+              </a:rPr>
+              <a:t>Conclusiones</a:t>
+            </a:r>
+            <a:endParaRPr lang="es-ES" dirty="0"/>
+          </a:p>
+        </p:txBody>
+      </p:sp>
+      <p:sp>
+        <p:nvSpPr>
+          <p:cNvPr id="36" name="Google Shape;400;p22">
+            <a:extLst>
+              <a:ext uri="{FF2B5EF4-FFF2-40B4-BE49-F238E27FC236}">
+                <a16:creationId xmlns:a16="http://schemas.microsoft.com/office/drawing/2014/main" id="{23E58E2C-B500-C24C-208F-9A1ABB8FE32D}"/>
+              </a:ext>
+            </a:extLst>
+          </p:cNvPr>
+          <p:cNvSpPr txBox="1"/>
+          <p:nvPr/>
+        </p:nvSpPr>
+        <p:spPr>
+          <a:xfrm>
+            <a:off x="348363" y="1081008"/>
+            <a:ext cx="8338512" cy="3338993"/>
+          </a:xfrm>
+          <a:prstGeom prst="rect">
+            <a:avLst/>
+          </a:prstGeom>
+          <a:noFill/>
+          <a:ln>
+            <a:noFill/>
+          </a:ln>
+        </p:spPr>
+        <p:txBody>
+          <a:bodyPr spcFirstLastPara="1" wrap="square" lIns="91425" tIns="91425" rIns="91425" bIns="91425" anchor="t" anchorCtr="0">
+            <a:noAutofit/>
+          </a:bodyPr>
+          <a:lstStyle/>
+          <a:p>
+            <a:pPr marL="0" lvl="0" indent="0" algn="just" rtl="0">
+              <a:spcBef>
+                <a:spcPts val="0"/>
+              </a:spcBef>
+              <a:spcAft>
+                <a:spcPts val="0"/>
+              </a:spcAft>
+              <a:buNone/>
+            </a:pPr>
+            <a:r>
+              <a:rPr lang="es-ES" sz="1050" dirty="0">
+                <a:solidFill>
+                  <a:srgbClr val="434343"/>
+                </a:solidFill>
+                <a:latin typeface="Roboto"/>
+                <a:ea typeface="Roboto"/>
+                <a:cs typeface="Roboto"/>
+                <a:sym typeface="Roboto"/>
+              </a:rPr>
+              <a:t>El análisis de los productos de comida rápida nos permite identificar tendencias importantes y extraer recomendaciones clave para los consumidores:</a:t>
+            </a:r>
+          </a:p>
+          <a:p>
+            <a:pPr marL="0" lvl="0" indent="0" algn="just" rtl="0">
+              <a:spcBef>
+                <a:spcPts val="0"/>
+              </a:spcBef>
+              <a:spcAft>
+                <a:spcPts val="0"/>
+              </a:spcAft>
+              <a:buNone/>
+            </a:pPr>
+            <a:endParaRPr lang="es-ES" sz="300" dirty="0">
+              <a:solidFill>
+                <a:srgbClr val="434343"/>
+              </a:solidFill>
+              <a:latin typeface="Roboto"/>
+              <a:ea typeface="Roboto"/>
+              <a:cs typeface="Roboto"/>
+              <a:sym typeface="Roboto"/>
+            </a:endParaRPr>
+          </a:p>
+          <a:p>
+            <a:pPr marL="171450" lvl="0" indent="-171450" algn="just" rtl="0">
+              <a:spcBef>
+                <a:spcPts val="0"/>
+              </a:spcBef>
+              <a:spcAft>
+                <a:spcPts val="0"/>
+              </a:spcAft>
+              <a:buFont typeface="Arial" panose="020B0604020202020204" pitchFamily="34" charset="0"/>
+              <a:buChar char="•"/>
+            </a:pPr>
+            <a:r>
+              <a:rPr lang="es-ES" sz="1050" b="1" dirty="0">
+                <a:solidFill>
+                  <a:srgbClr val="434343"/>
+                </a:solidFill>
+                <a:latin typeface="Roboto"/>
+                <a:ea typeface="Roboto"/>
+                <a:cs typeface="Roboto"/>
+                <a:sym typeface="Roboto"/>
+              </a:rPr>
+              <a:t>Importancia de las elecciones informadas</a:t>
+            </a:r>
+            <a:r>
+              <a:rPr lang="es-ES" sz="1050" dirty="0">
+                <a:solidFill>
+                  <a:srgbClr val="434343"/>
+                </a:solidFill>
+                <a:latin typeface="Roboto"/>
+                <a:ea typeface="Roboto"/>
+                <a:cs typeface="Roboto"/>
+                <a:sym typeface="Roboto"/>
+              </a:rPr>
+              <a:t>: Las cadenas de comida rápida ofrecen una amplia variedad de opciones, pero es evidente que existen diferencias significativas en el contenido nutricional de sus productos. Elegir sabiamente puede marcar la diferencia en una dieta balanceada.</a:t>
+            </a:r>
+          </a:p>
+          <a:p>
+            <a:pPr marL="171450" lvl="0" indent="-171450" algn="just" rtl="0">
+              <a:spcBef>
+                <a:spcPts val="0"/>
+              </a:spcBef>
+              <a:spcAft>
+                <a:spcPts val="0"/>
+              </a:spcAft>
+              <a:buFont typeface="Arial" panose="020B0604020202020204" pitchFamily="34" charset="0"/>
+              <a:buChar char="•"/>
+            </a:pPr>
+            <a:r>
+              <a:rPr lang="es-ES" sz="1050" b="1" dirty="0">
+                <a:solidFill>
+                  <a:srgbClr val="434343"/>
+                </a:solidFill>
+                <a:latin typeface="Roboto"/>
+                <a:ea typeface="Roboto"/>
+                <a:cs typeface="Roboto"/>
+                <a:sym typeface="Roboto"/>
+              </a:rPr>
+              <a:t>Relaciones entre nutrientes</a:t>
+            </a:r>
+            <a:r>
+              <a:rPr lang="es-ES" sz="1050" dirty="0">
+                <a:solidFill>
+                  <a:srgbClr val="434343"/>
+                </a:solidFill>
+                <a:latin typeface="Roboto"/>
+                <a:ea typeface="Roboto"/>
+                <a:cs typeface="Roboto"/>
+                <a:sym typeface="Roboto"/>
+              </a:rPr>
+              <a:t>: Factores como las calorías, el sodio y las grasas están interconectados, y su combinación puede tener un impacto importante en la salud. Comprender estas relaciones nos ayuda a detectar qué productos son más favorables para el bienestar.</a:t>
+            </a:r>
+          </a:p>
+          <a:p>
+            <a:pPr marL="171450" lvl="0" indent="-171450" algn="just" rtl="0">
+              <a:spcBef>
+                <a:spcPts val="0"/>
+              </a:spcBef>
+              <a:spcAft>
+                <a:spcPts val="0"/>
+              </a:spcAft>
+              <a:buFont typeface="Arial" panose="020B0604020202020204" pitchFamily="34" charset="0"/>
+              <a:buChar char="•"/>
+            </a:pPr>
+            <a:r>
+              <a:rPr lang="es-ES" sz="1050" b="1" dirty="0">
+                <a:solidFill>
+                  <a:srgbClr val="434343"/>
+                </a:solidFill>
+                <a:latin typeface="Roboto"/>
+                <a:ea typeface="Roboto"/>
+                <a:cs typeface="Roboto"/>
+                <a:sym typeface="Roboto"/>
+              </a:rPr>
+              <a:t>Opciones más saludables</a:t>
+            </a:r>
+            <a:r>
+              <a:rPr lang="es-ES" sz="1050" dirty="0">
+                <a:solidFill>
+                  <a:srgbClr val="434343"/>
+                </a:solidFill>
+                <a:latin typeface="Roboto"/>
+                <a:ea typeface="Roboto"/>
+                <a:cs typeface="Roboto"/>
+                <a:sym typeface="Roboto"/>
+              </a:rPr>
+              <a:t>: Las alternativas naturales, menos procesadas y bajas en calorías, grasas saturadas y sodio, destacan como las mejores elecciones. Estos productos no solo son nutritivos, sino que también contribuyen a mantener una alimentación más equilibrada.</a:t>
+            </a:r>
+          </a:p>
+          <a:p>
+            <a:pPr marL="171450" lvl="0" indent="-171450" algn="just" rtl="0">
+              <a:spcBef>
+                <a:spcPts val="0"/>
+              </a:spcBef>
+              <a:spcAft>
+                <a:spcPts val="0"/>
+              </a:spcAft>
+              <a:buFont typeface="Arial" panose="020B0604020202020204" pitchFamily="34" charset="0"/>
+              <a:buChar char="•"/>
+            </a:pPr>
+            <a:r>
+              <a:rPr lang="es-ES" sz="1050" b="1" dirty="0">
+                <a:solidFill>
+                  <a:srgbClr val="434343"/>
+                </a:solidFill>
+                <a:latin typeface="Roboto"/>
+                <a:ea typeface="Roboto"/>
+                <a:cs typeface="Roboto"/>
+                <a:sym typeface="Roboto"/>
+              </a:rPr>
+              <a:t>Reflexión final</a:t>
+            </a:r>
+            <a:r>
+              <a:rPr lang="es-ES" sz="1050" dirty="0">
+                <a:solidFill>
+                  <a:srgbClr val="434343"/>
+                </a:solidFill>
+                <a:latin typeface="Roboto"/>
+                <a:ea typeface="Roboto"/>
+                <a:cs typeface="Roboto"/>
+                <a:sym typeface="Roboto"/>
+              </a:rPr>
+              <a:t>: Aunque la comida rápida es parte del estilo de vida moderno, una selección consciente y basada en datos permite disfrutarla sin comprometer la salud. Optar por productos con buenos perfiles nutricionales puede ser un primer paso hacia mejores hábitos alimenticios.</a:t>
+            </a:r>
+          </a:p>
+          <a:p>
+            <a:pPr lvl="0" algn="just" rtl="0">
+              <a:spcBef>
+                <a:spcPts val="0"/>
+              </a:spcBef>
+              <a:spcAft>
+                <a:spcPts val="0"/>
+              </a:spcAft>
+            </a:pPr>
+            <a:endParaRPr lang="es-ES" sz="500" dirty="0">
+              <a:solidFill>
+                <a:srgbClr val="434343"/>
+              </a:solidFill>
+              <a:latin typeface="Roboto"/>
+              <a:ea typeface="Roboto"/>
+              <a:cs typeface="Roboto"/>
+              <a:sym typeface="Roboto"/>
+            </a:endParaRPr>
+          </a:p>
+          <a:p>
+            <a:pPr marL="0" lvl="0" indent="0" algn="just" rtl="0">
+              <a:spcBef>
+                <a:spcPts val="0"/>
+              </a:spcBef>
+              <a:spcAft>
+                <a:spcPts val="0"/>
+              </a:spcAft>
+              <a:buNone/>
+            </a:pPr>
+            <a:r>
+              <a:rPr lang="es-ES" sz="1050" dirty="0">
+                <a:solidFill>
+                  <a:srgbClr val="434343"/>
+                </a:solidFill>
+                <a:latin typeface="Roboto"/>
+                <a:ea typeface="Roboto"/>
+                <a:cs typeface="Roboto"/>
+                <a:sym typeface="Roboto"/>
+              </a:rPr>
+              <a:t>Este análisis resalta la importancia de la transparencia nutricional y del conocimiento como herramientas para mejorar la calidad de nuestras decisiones alimenticias.</a:t>
+            </a:r>
+          </a:p>
+        </p:txBody>
+      </p:sp>
+    </p:spTree>
+    <p:extLst>
+      <p:ext uri="{BB962C8B-B14F-4D97-AF65-F5344CB8AC3E}">
+        <p14:creationId xmlns:p14="http://schemas.microsoft.com/office/powerpoint/2010/main" val="1538707355"/>
+      </p:ext>
+    </p:extLst>
+  </p:cSld>
+  <p:clrMapOvr>
+    <a:masterClrMapping/>
+  </p:clrMapOvr>
+  <mc:AlternateContent xmlns:mc="http://schemas.openxmlformats.org/markup-compatibility/2006" xmlns:p14="http://schemas.microsoft.com/office/powerpoint/2010/main">
+    <mc:Choice Requires="p14">
+      <p:transition p14:dur="250">
+        <p:fade/>
+      </p:transition>
+    </mc:Choice>
+    <mc:Fallback xmlns="">
+      <p:transition>
+        <p:fade/>
+      </p:transition>
+    </mc:Fallback>
+  </mc:AlternateContent>
 </p:sld>
 </file>
 
